--- a/template - v2.pptx
+++ b/template - v2.pptx
@@ -197,7 +197,7 @@
           <a:p>
             <a:fld id="{D9374ACA-3954-42E3-B51E-F6598EAA97F2}" type="datetimeFigureOut">
               <a:rPr lang="pt-BR" smtClean="0"/>
-              <a:t>13/08/2024</a:t>
+              <a:t>22/08/2024</a:t>
             </a:fld>
             <a:endParaRPr lang="pt-BR"/>
           </a:p>
@@ -960,6 +960,46 @@
           </p:txBody>
         </p:sp>
       </p:grpSp>
+      <p:sp>
+        <p:nvSpPr>
+          <p:cNvPr id="4" name="CaixaDeTexto 3">
+            <a:extLst>
+              <a:ext uri="{FF2B5EF4-FFF2-40B4-BE49-F238E27FC236}">
+                <a16:creationId xmlns:a16="http://schemas.microsoft.com/office/drawing/2014/main" id="{3AD1395E-2E74-447D-843B-1FC88DAA3187}"/>
+              </a:ext>
+            </a:extLst>
+          </p:cNvPr>
+          <p:cNvSpPr txBox="1"/>
+          <p:nvPr userDrawn="1"/>
+        </p:nvSpPr>
+        <p:spPr>
+          <a:xfrm>
+            <a:off x="6550959" y="4313208"/>
+            <a:ext cx="4610092" cy="830997"/>
+          </a:xfrm>
+          <a:prstGeom prst="rect">
+            <a:avLst/>
+          </a:prstGeom>
+          <a:noFill/>
+        </p:spPr>
+        <p:txBody>
+          <a:bodyPr wrap="square" rtlCol="0">
+            <a:spAutoFit/>
+          </a:bodyPr>
+          <a:lstStyle/>
+          <a:p>
+            <a:pPr algn="just"/>
+            <a:r>
+              <a:rPr lang="pt-BR" sz="1200" b="1" dirty="0">
+                <a:solidFill>
+                  <a:schemeClr val="bg1"/>
+                </a:solidFill>
+              </a:rPr>
+              <a:t>Este boletim apresenta um resumo das principais receitas do Estado de Goiás, incluindo a Receita Corrente Líquida, Receita Total, Arrecadação Bruta e a Execução Orçamentária. atualizado no mês desta edição.</a:t>
+            </a:r>
+          </a:p>
+        </p:txBody>
+      </p:sp>
     </p:spTree>
     <p:extLst>
       <p:ext uri="{BB962C8B-B14F-4D97-AF65-F5344CB8AC3E}">
@@ -1176,7 +1216,7 @@
           <a:p>
             <a:fld id="{3847EC4F-048C-499A-9D4E-DFDB1061565D}" type="datetime1">
               <a:rPr lang="pt-BR" smtClean="0"/>
-              <a:t>13/08/2024</a:t>
+              <a:t>22/08/2024</a:t>
             </a:fld>
             <a:endParaRPr lang="pt-BR"/>
           </a:p>
@@ -1404,7 +1444,7 @@
           <a:p>
             <a:fld id="{3B02893F-FD53-419E-9D45-9790A94DA4D0}" type="datetime1">
               <a:rPr lang="pt-BR" smtClean="0"/>
-              <a:t>13/08/2024</a:t>
+              <a:t>22/08/2024</a:t>
             </a:fld>
             <a:endParaRPr lang="pt-BR"/>
           </a:p>
@@ -1945,7 +1985,7 @@
           <a:p>
             <a:fld id="{F0A56DB4-4AEF-4152-BDB3-329CCB6072FA}" type="datetime1">
               <a:rPr lang="pt-BR" smtClean="0"/>
-              <a:t>13/08/2024</a:t>
+              <a:t>22/08/2024</a:t>
             </a:fld>
             <a:endParaRPr lang="pt-BR"/>
           </a:p>
@@ -2664,7 +2704,7 @@
             <a:fld id="{974FFC0B-9CD3-4EB1-8E25-0252DDCEF5C4}" type="datetime1">
               <a:rPr lang="pt-BR" smtClean="0"/>
               <a:pPr/>
-              <a:t>13/08/2024</a:t>
+              <a:t>22/08/2024</a:t>
             </a:fld>
             <a:endParaRPr lang="pt-BR" dirty="0"/>
           </a:p>
@@ -3535,7 +3575,7 @@
             <a:fld id="{93E7214A-6D00-4CA1-8A35-EDEED3307A75}" type="datetime1">
               <a:rPr lang="pt-BR" smtClean="0"/>
               <a:pPr/>
-              <a:t>13/08/2024</a:t>
+              <a:t>22/08/2024</a:t>
             </a:fld>
             <a:endParaRPr lang="pt-BR"/>
           </a:p>
@@ -4069,6 +4109,39 @@
           </a:p>
         </p:txBody>
       </p:sp>
+      <p:pic>
+        <p:nvPicPr>
+          <p:cNvPr id="5" name="Google Shape;108;p2">
+            <a:extLst>
+              <a:ext uri="{FF2B5EF4-FFF2-40B4-BE49-F238E27FC236}">
+                <a16:creationId xmlns:a16="http://schemas.microsoft.com/office/drawing/2014/main" id="{8D386594-4B7E-4A21-93FB-DA55D1CE8731}"/>
+              </a:ext>
+            </a:extLst>
+          </p:cNvPr>
+          <p:cNvPicPr preferRelativeResize="0"/>
+          <p:nvPr userDrawn="1"/>
+        </p:nvPicPr>
+        <p:blipFill rotWithShape="1">
+          <a:blip r:embed="rId3">
+            <a:alphaModFix/>
+          </a:blip>
+          <a:srcRect l="32230" r="118"/>
+          <a:stretch/>
+        </p:blipFill>
+        <p:spPr>
+          <a:xfrm>
+            <a:off x="10456850" y="262313"/>
+            <a:ext cx="1533873" cy="461665"/>
+          </a:xfrm>
+          <a:prstGeom prst="rect">
+            <a:avLst/>
+          </a:prstGeom>
+          <a:noFill/>
+          <a:ln>
+            <a:noFill/>
+          </a:ln>
+        </p:spPr>
+      </p:pic>
     </p:spTree>
     <p:extLst>
       <p:ext uri="{BB962C8B-B14F-4D97-AF65-F5344CB8AC3E}">
@@ -4237,7 +4310,7 @@
           <a:p>
             <a:fld id="{A05A2D86-F1E3-4BFB-BFA1-5406F3A8B1AD}" type="datetime1">
               <a:rPr lang="pt-BR" smtClean="0"/>
-              <a:t>13/08/2024</a:t>
+              <a:t>22/08/2024</a:t>
             </a:fld>
             <a:endParaRPr lang="pt-BR"/>
           </a:p>
@@ -4934,7 +5007,7 @@
           <a:p>
             <a:fld id="{32F85AFF-28FF-460E-8CBD-61F6616AD901}" type="datetime1">
               <a:rPr lang="pt-BR" smtClean="0"/>
-              <a:t>13/08/2024</a:t>
+              <a:t>22/08/2024</a:t>
             </a:fld>
             <a:endParaRPr lang="pt-BR"/>
           </a:p>
@@ -5389,7 +5462,7 @@
           <a:p>
             <a:fld id="{2A64B9EC-648F-477D-9DCE-3683D761A52A}" type="datetime1">
               <a:rPr lang="pt-BR" smtClean="0"/>
-              <a:t>13/08/2024</a:t>
+              <a:t>22/08/2024</a:t>
             </a:fld>
             <a:endParaRPr lang="pt-BR"/>
           </a:p>
@@ -5844,7 +5917,7 @@
           <a:p>
             <a:fld id="{A28D4654-34BB-43FC-8F77-7271489CE0F7}" type="datetime1">
               <a:rPr lang="pt-BR" smtClean="0"/>
-              <a:t>13/08/2024</a:t>
+              <a:t>22/08/2024</a:t>
             </a:fld>
             <a:endParaRPr lang="pt-BR"/>
           </a:p>
@@ -6522,7 +6595,7 @@
           <a:p>
             <a:fld id="{19BB168A-4011-419D-847C-9B52BF257044}" type="datetime1">
               <a:rPr lang="pt-BR" smtClean="0"/>
-              <a:t>13/08/2024</a:t>
+              <a:t>22/08/2024</a:t>
             </a:fld>
             <a:endParaRPr lang="pt-BR"/>
           </a:p>
@@ -6774,7 +6847,7 @@
           <a:p>
             <a:fld id="{ADAF0E14-C222-4E2D-87CA-08392E1CA5F1}" type="datetime1">
               <a:rPr lang="pt-BR" smtClean="0"/>
-              <a:t>13/08/2024</a:t>
+              <a:t>22/08/2024</a:t>
             </a:fld>
             <a:endParaRPr lang="pt-BR"/>
           </a:p>
